--- a/demo/FarmsPros.pptx
+++ b/demo/FarmsPros.pptx
@@ -132,6 +132,30 @@
 
 <file path=ppt/changesInfos/changesInfo1.xml><?xml version="1.0" encoding="utf-8"?>
 <pc:chgInfo xmlns:a="http://schemas.openxmlformats.org/drawingml/2006/main" xmlns:r="http://schemas.openxmlformats.org/officeDocument/2006/relationships" xmlns:ac="http://schemas.microsoft.com/office/drawing/2013/main/command" xmlns:pc="http://schemas.microsoft.com/office/powerpoint/2013/main/command">
+  <pc:docChgLst>
+    <pc:chgData name="Mingqiang Han" userId="66529594-cd77-4ca6-a61b-dd75b87c9c89" providerId="ADAL" clId="{F2C603BC-BFC7-47AA-A137-18C732AD0736}"/>
+    <pc:docChg chg="modSld">
+      <pc:chgData name="Mingqiang Han" userId="66529594-cd77-4ca6-a61b-dd75b87c9c89" providerId="ADAL" clId="{F2C603BC-BFC7-47AA-A137-18C732AD0736}" dt="2024-11-01T04:24:15.269" v="0" actId="20577"/>
+      <pc:docMkLst>
+        <pc:docMk/>
+      </pc:docMkLst>
+      <pc:sldChg chg="modSp mod">
+        <pc:chgData name="Mingqiang Han" userId="66529594-cd77-4ca6-a61b-dd75b87c9c89" providerId="ADAL" clId="{F2C603BC-BFC7-47AA-A137-18C732AD0736}" dt="2024-11-01T04:24:15.269" v="0" actId="20577"/>
+        <pc:sldMkLst>
+          <pc:docMk/>
+          <pc:sldMk cId="3579319593" sldId="257"/>
+        </pc:sldMkLst>
+        <pc:spChg chg="mod">
+          <ac:chgData name="Mingqiang Han" userId="66529594-cd77-4ca6-a61b-dd75b87c9c89" providerId="ADAL" clId="{F2C603BC-BFC7-47AA-A137-18C732AD0736}" dt="2024-11-01T04:24:15.269" v="0" actId="20577"/>
+          <ac:spMkLst>
+            <pc:docMk/>
+            <pc:sldMk cId="3579319593" sldId="257"/>
+            <ac:spMk id="2" creationId="{1DDD03A7-27A6-D2DF-A2EB-0D63CC61CE04}"/>
+          </ac:spMkLst>
+        </pc:spChg>
+      </pc:sldChg>
+    </pc:docChg>
+  </pc:docChgLst>
   <pc:docChgLst>
     <pc:chgData name="Albert Benson" userId="41d7dabbf62f77d9" providerId="LiveId" clId="{56163845-BD22-4A32-B6B8-2B66B999347C}"/>
     <pc:docChg chg="custSel addSld delSld modSld">
@@ -7679,8 +7703,8 @@
           <a:lstStyle/>
           <a:p>
             <a:r>
-              <a:rPr lang="en-US" sz="4800" dirty="0"/>
-              <a:t>Farms Pros</a:t>
+              <a:rPr lang="en-US" sz="4800" dirty="0" err="1"/>
+              <a:t>FarmsPros</a:t>
             </a:r>
             <a:endParaRPr lang="en-US" dirty="0"/>
           </a:p>
